--- a/docs/デジタルスタンプラリー.pptx
+++ b/docs/デジタルスタンプラリー.pptx
@@ -109,6 +109,11 @@
       </a:defRPr>
     </a:lvl9pPr>
   </p:defaultTextStyle>
+  <p:extLst>
+    <p:ext uri="{EFAFB233-063F-42B5-8137-9DF3F51BA10A}">
+      <p15:sldGuideLst xmlns:p15="http://schemas.microsoft.com/office/powerpoint/2012/main"/>
+    </p:ext>
+  </p:extLst>
 </p:presentation>
 </file>
 
@@ -259,7 +264,7 @@
           <a:p>
             <a:fld id="{8FBA368A-991C-A848-848E-4A6248150EC5}" type="datetimeFigureOut">
               <a:rPr kumimoji="1" lang="ja-JP" altLang="en-US" smtClean="0"/>
-              <a:t>2026/2/5</a:t>
+              <a:t>2026/2/6</a:t>
             </a:fld>
             <a:endParaRPr kumimoji="1" lang="ja-JP" altLang="en-US"/>
           </a:p>
@@ -489,7 +494,7 @@
           <a:p>
             <a:fld id="{8FBA368A-991C-A848-848E-4A6248150EC5}" type="datetimeFigureOut">
               <a:rPr kumimoji="1" lang="ja-JP" altLang="en-US" smtClean="0"/>
-              <a:t>2026/2/5</a:t>
+              <a:t>2026/2/6</a:t>
             </a:fld>
             <a:endParaRPr kumimoji="1" lang="ja-JP" altLang="en-US"/>
           </a:p>
@@ -729,7 +734,7 @@
           <a:p>
             <a:fld id="{8FBA368A-991C-A848-848E-4A6248150EC5}" type="datetimeFigureOut">
               <a:rPr kumimoji="1" lang="ja-JP" altLang="en-US" smtClean="0"/>
-              <a:t>2026/2/5</a:t>
+              <a:t>2026/2/6</a:t>
             </a:fld>
             <a:endParaRPr kumimoji="1" lang="ja-JP" altLang="en-US"/>
           </a:p>
@@ -959,7 +964,7 @@
           <a:p>
             <a:fld id="{8FBA368A-991C-A848-848E-4A6248150EC5}" type="datetimeFigureOut">
               <a:rPr kumimoji="1" lang="ja-JP" altLang="en-US" smtClean="0"/>
-              <a:t>2026/2/5</a:t>
+              <a:t>2026/2/6</a:t>
             </a:fld>
             <a:endParaRPr kumimoji="1" lang="ja-JP" altLang="en-US"/>
           </a:p>
@@ -1234,7 +1239,7 @@
           <a:p>
             <a:fld id="{8FBA368A-991C-A848-848E-4A6248150EC5}" type="datetimeFigureOut">
               <a:rPr kumimoji="1" lang="ja-JP" altLang="en-US" smtClean="0"/>
-              <a:t>2026/2/5</a:t>
+              <a:t>2026/2/6</a:t>
             </a:fld>
             <a:endParaRPr kumimoji="1" lang="ja-JP" altLang="en-US"/>
           </a:p>
@@ -1563,7 +1568,7 @@
           <a:p>
             <a:fld id="{8FBA368A-991C-A848-848E-4A6248150EC5}" type="datetimeFigureOut">
               <a:rPr kumimoji="1" lang="ja-JP" altLang="en-US" smtClean="0"/>
-              <a:t>2026/2/5</a:t>
+              <a:t>2026/2/6</a:t>
             </a:fld>
             <a:endParaRPr kumimoji="1" lang="ja-JP" altLang="en-US"/>
           </a:p>
@@ -2039,7 +2044,7 @@
           <a:p>
             <a:fld id="{8FBA368A-991C-A848-848E-4A6248150EC5}" type="datetimeFigureOut">
               <a:rPr kumimoji="1" lang="ja-JP" altLang="en-US" smtClean="0"/>
-              <a:t>2026/2/5</a:t>
+              <a:t>2026/2/6</a:t>
             </a:fld>
             <a:endParaRPr kumimoji="1" lang="ja-JP" altLang="en-US"/>
           </a:p>
@@ -2180,7 +2185,7 @@
           <a:p>
             <a:fld id="{8FBA368A-991C-A848-848E-4A6248150EC5}" type="datetimeFigureOut">
               <a:rPr kumimoji="1" lang="ja-JP" altLang="en-US" smtClean="0"/>
-              <a:t>2026/2/5</a:t>
+              <a:t>2026/2/6</a:t>
             </a:fld>
             <a:endParaRPr kumimoji="1" lang="ja-JP" altLang="en-US"/>
           </a:p>
@@ -2293,7 +2298,7 @@
           <a:p>
             <a:fld id="{8FBA368A-991C-A848-848E-4A6248150EC5}" type="datetimeFigureOut">
               <a:rPr kumimoji="1" lang="ja-JP" altLang="en-US" smtClean="0"/>
-              <a:t>2026/2/5</a:t>
+              <a:t>2026/2/6</a:t>
             </a:fld>
             <a:endParaRPr kumimoji="1" lang="ja-JP" altLang="en-US"/>
           </a:p>
@@ -2636,7 +2641,7 @@
           <a:p>
             <a:fld id="{8FBA368A-991C-A848-848E-4A6248150EC5}" type="datetimeFigureOut">
               <a:rPr kumimoji="1" lang="ja-JP" altLang="en-US" smtClean="0"/>
-              <a:t>2026/2/5</a:t>
+              <a:t>2026/2/6</a:t>
             </a:fld>
             <a:endParaRPr kumimoji="1" lang="ja-JP" altLang="en-US"/>
           </a:p>
@@ -2924,7 +2929,7 @@
           <a:p>
             <a:fld id="{8FBA368A-991C-A848-848E-4A6248150EC5}" type="datetimeFigureOut">
               <a:rPr kumimoji="1" lang="ja-JP" altLang="en-US" smtClean="0"/>
-              <a:t>2026/2/5</a:t>
+              <a:t>2026/2/6</a:t>
             </a:fld>
             <a:endParaRPr kumimoji="1" lang="ja-JP" altLang="en-US"/>
           </a:p>
@@ -3197,7 +3202,7 @@
           <a:p>
             <a:fld id="{8FBA368A-991C-A848-848E-4A6248150EC5}" type="datetimeFigureOut">
               <a:rPr kumimoji="1" lang="ja-JP" altLang="en-US" smtClean="0"/>
-              <a:t>2026/2/5</a:t>
+              <a:t>2026/2/6</a:t>
             </a:fld>
             <a:endParaRPr kumimoji="1" lang="ja-JP" altLang="en-US"/>
           </a:p>
@@ -4013,7 +4018,7 @@
         <p:spPr>
           <a:xfrm>
             <a:off x="114298" y="0"/>
-            <a:ext cx="12077701" cy="6555641"/>
+            <a:ext cx="12077701" cy="6001643"/>
           </a:xfrm>
           <a:prstGeom prst="rect">
             <a:avLst/>
@@ -4103,25 +4108,6 @@
               <a:rPr lang="ja-JP" altLang="en-US" sz="1200"/>
               <a:t>　　・ゴール達成条件</a:t>
             </a:r>
-          </a:p>
-          <a:p>
-            <a:r>
-              <a:rPr lang="ja-JP" altLang="en-US" sz="1200" strike="sngStrike"/>
-              <a:t>　　　・全スタンプを集めたら</a:t>
-            </a:r>
-          </a:p>
-          <a:p>
-            <a:r>
-              <a:rPr lang="ja-JP" altLang="en-US" sz="1200" strike="sngStrike"/>
-              <a:t>　　　・N個のスタンプを集めたら</a:t>
-            </a:r>
-          </a:p>
-          <a:p>
-            <a:r>
-              <a:rPr lang="ja-JP" altLang="en-US" sz="1200" strike="sngStrike"/>
-              <a:t>　　　　・必須スタンプ設定(XXXとXXXは必須にする)</a:t>
-            </a:r>
-            <a:endParaRPr lang="en-US" altLang="ja-JP" sz="1200" strike="sngStrike" dirty="0"/>
           </a:p>
           <a:p>
             <a:r>
@@ -4497,6 +4483,169 @@
               <a:rPr lang="ja-JP" altLang="en-US" sz="1200"/>
               <a:t>　　・同一端末で、複数ブラウザを使っての読み取りに関しては許容する(制限しようがない)</a:t>
             </a:r>
+          </a:p>
+        </p:txBody>
+      </p:sp>
+      <p:sp>
+        <p:nvSpPr>
+          <p:cNvPr id="2" name="テキスト ボックス 1">
+            <a:extLst>
+              <a:ext uri="{FF2B5EF4-FFF2-40B4-BE49-F238E27FC236}">
+                <a16:creationId xmlns:a16="http://schemas.microsoft.com/office/drawing/2014/main" id="{7B162089-D7DE-3DBD-4752-9BB9F01E5B50}"/>
+              </a:ext>
+            </a:extLst>
+          </p:cNvPr>
+          <p:cNvSpPr txBox="1"/>
+          <p:nvPr/>
+        </p:nvSpPr>
+        <p:spPr>
+          <a:xfrm>
+            <a:off x="57149" y="4412512"/>
+            <a:ext cx="12077701" cy="1754326"/>
+          </a:xfrm>
+          <a:prstGeom prst="rect">
+            <a:avLst/>
+          </a:prstGeom>
+          <a:noFill/>
+        </p:spPr>
+        <p:txBody>
+          <a:bodyPr wrap="square">
+            <a:spAutoFit/>
+          </a:bodyPr>
+          <a:lstStyle/>
+          <a:p>
+            <a:r>
+              <a:rPr lang="ja-JP" altLang="en-US" sz="1200"/>
+              <a:t>ページ名</a:t>
+            </a:r>
+            <a:endParaRPr lang="en-US" altLang="ja-JP" sz="1200" dirty="0"/>
+          </a:p>
+          <a:p>
+            <a:r>
+              <a:rPr lang="ja-JP" altLang="en-US" sz="1200"/>
+              <a:t>＞ホーム画面：</a:t>
+            </a:r>
+            <a:r>
+              <a:rPr lang="en-US" altLang="ja-JP" sz="1200" dirty="0"/>
+              <a:t>Index</a:t>
+            </a:r>
+          </a:p>
+          <a:p>
+            <a:r>
+              <a:rPr lang="ja-JP" altLang="en-US" sz="1200"/>
+              <a:t>＞新しいスタンプラリーを作成画面</a:t>
+            </a:r>
+            <a:r>
+              <a:rPr lang="en-US" altLang="ja-JP" sz="1200" dirty="0"/>
+              <a:t>(</a:t>
+            </a:r>
+            <a:r>
+              <a:rPr lang="ja-JP" altLang="en-US" sz="1200"/>
+              <a:t>主催者</a:t>
+            </a:r>
+            <a:r>
+              <a:rPr lang="en-US" altLang="ja-JP" sz="1200" dirty="0"/>
+              <a:t>)</a:t>
+            </a:r>
+            <a:r>
+              <a:rPr lang="ja-JP" altLang="en-US" sz="1200"/>
+              <a:t>：</a:t>
+            </a:r>
+            <a:r>
+              <a:rPr lang="en-US" altLang="ja-JP" sz="1200" dirty="0" err="1"/>
+              <a:t>CreateNew</a:t>
+            </a:r>
+            <a:endParaRPr lang="en-US" altLang="ja-JP" sz="1200" dirty="0"/>
+          </a:p>
+          <a:p>
+            <a:r>
+              <a:rPr lang="ja-JP" altLang="en-US" sz="1200"/>
+              <a:t>＞スタンプ読み取り完了画面</a:t>
+            </a:r>
+            <a:r>
+              <a:rPr lang="en-US" altLang="ja-JP" sz="1200" dirty="0"/>
+              <a:t>(</a:t>
+            </a:r>
+            <a:r>
+              <a:rPr lang="ja-JP" altLang="en-US" sz="1200"/>
+              <a:t>利用者</a:t>
+            </a:r>
+            <a:r>
+              <a:rPr lang="en-US" altLang="ja-JP" sz="1200" dirty="0"/>
+              <a:t>)</a:t>
+            </a:r>
+            <a:r>
+              <a:rPr lang="ja-JP" altLang="en-US" sz="1200"/>
+              <a:t>：</a:t>
+            </a:r>
+            <a:r>
+              <a:rPr lang="en-US" altLang="ja-JP" sz="1200" dirty="0" err="1"/>
+              <a:t>ReadStamp</a:t>
+            </a:r>
+            <a:endParaRPr lang="en-US" altLang="ja-JP" sz="1200" dirty="0"/>
+          </a:p>
+          <a:p>
+            <a:r>
+              <a:rPr lang="ja-JP" altLang="en-US" sz="1200"/>
+              <a:t>＞ゴール確認画面画面</a:t>
+            </a:r>
+            <a:r>
+              <a:rPr lang="en-US" altLang="ja-JP" sz="1200" dirty="0"/>
+              <a:t>(</a:t>
+            </a:r>
+            <a:r>
+              <a:rPr lang="ja-JP" altLang="en-US" sz="1200"/>
+              <a:t>利用者</a:t>
+            </a:r>
+            <a:r>
+              <a:rPr lang="en-US" altLang="ja-JP" sz="1200" dirty="0"/>
+              <a:t>)</a:t>
+            </a:r>
+            <a:r>
+              <a:rPr lang="ja-JP" altLang="en-US" sz="1200"/>
+              <a:t>：</a:t>
+            </a:r>
+            <a:r>
+              <a:rPr lang="en-US" altLang="ja-JP" sz="1200" dirty="0" err="1"/>
+              <a:t>SetGoal</a:t>
+            </a:r>
+            <a:endParaRPr lang="en-US" altLang="ja-JP" sz="1200" dirty="0"/>
+          </a:p>
+          <a:p>
+            <a:r>
+              <a:rPr lang="ja-JP" altLang="en-US" sz="1200"/>
+              <a:t>＞集計画面</a:t>
+            </a:r>
+            <a:r>
+              <a:rPr lang="en-US" altLang="ja-JP" sz="1200" dirty="0"/>
+              <a:t>(</a:t>
+            </a:r>
+            <a:r>
+              <a:rPr lang="ja-JP" altLang="en-US" sz="1200"/>
+              <a:t>主催者</a:t>
+            </a:r>
+            <a:r>
+              <a:rPr lang="en-US" altLang="ja-JP" sz="1200" dirty="0"/>
+              <a:t>)</a:t>
+            </a:r>
+            <a:r>
+              <a:rPr lang="ja-JP" altLang="en-US" sz="1200"/>
+              <a:t>：</a:t>
+            </a:r>
+            <a:r>
+              <a:rPr lang="en-US" altLang="ja-JP" sz="1200" dirty="0"/>
+              <a:t>Totalize</a:t>
+            </a:r>
+            <a:endParaRPr lang="ja-JP" altLang="en-US" sz="1200"/>
+          </a:p>
+          <a:p>
+            <a:endParaRPr lang="ja-JP" altLang="en-US" sz="1200"/>
+          </a:p>
+          <a:p>
+            <a:endParaRPr lang="ja-JP" altLang="en-US" sz="1200"/>
+          </a:p>
+          <a:p>
+            <a:endParaRPr lang="ja-JP" altLang="en-US" sz="1200"/>
           </a:p>
         </p:txBody>
       </p:sp>
